--- a/wechat2/二进制安全.pptx
+++ b/wechat2/二进制安全.pptx
@@ -15,12 +15,17 @@
     <p:sldId id="261" r:id="rId8"/>
     <p:sldId id="262" r:id="rId9"/>
     <p:sldId id="263" r:id="rId10"/>
-    <p:sldId id="264" r:id="rId11"/>
-    <p:sldId id="266" r:id="rId12"/>
-    <p:sldId id="267" r:id="rId13"/>
-    <p:sldId id="268" r:id="rId14"/>
-    <p:sldId id="270" r:id="rId15"/>
-    <p:sldId id="260" r:id="rId16"/>
+    <p:sldId id="272" r:id="rId11"/>
+    <p:sldId id="273" r:id="rId12"/>
+    <p:sldId id="274" r:id="rId13"/>
+    <p:sldId id="275" r:id="rId14"/>
+    <p:sldId id="276" r:id="rId15"/>
+    <p:sldId id="264" r:id="rId16"/>
+    <p:sldId id="266" r:id="rId17"/>
+    <p:sldId id="267" r:id="rId18"/>
+    <p:sldId id="268" r:id="rId19"/>
+    <p:sldId id="270" r:id="rId20"/>
+    <p:sldId id="260" r:id="rId21"/>
   </p:sldIdLst>
   <p:sldSz cx="12192000" cy="6858000"/>
   <p:notesSz cx="6858000" cy="9144000"/>
@@ -7348,19 +7353,15 @@
           <a:p>
             <a:r>
               <a:rPr lang="zh-CN" altLang="en-US"/>
-              <a:t>微信数据库攻破</a:t>
-            </a:r>
-            <a:r>
-              <a:rPr lang="en-US" altLang="zh-CN"/>
-              <a:t>SQLlite3</a:t>
-            </a:r>
-            <a:endParaRPr lang="en-US" altLang="zh-CN"/>
+              <a:t>反汇编</a:t>
+            </a:r>
+            <a:endParaRPr lang="zh-CN" altLang="en-US"/>
           </a:p>
         </p:txBody>
       </p:sp>
       <p:pic>
         <p:nvPicPr>
-          <p:cNvPr id="4" name="内容占位符 3"/>
+          <p:cNvPr id="6" name="内容占位符 5"/>
           <p:cNvPicPr>
             <a:picLocks noChangeAspect="1"/>
           </p:cNvPicPr>
@@ -7376,14 +7377,132 @@
         </p:blipFill>
         <p:spPr>
           <a:xfrm>
-            <a:off x="451485" y="1555115"/>
-            <a:ext cx="5212080" cy="4351655"/>
+            <a:off x="400685" y="1768475"/>
+            <a:ext cx="8324850" cy="4351655"/>
           </a:xfrm>
           <a:prstGeom prst="rect">
             <a:avLst/>
           </a:prstGeom>
         </p:spPr>
       </p:pic>
+      <p:sp>
+        <p:nvSpPr>
+          <p:cNvPr id="7" name="文本框 6"/>
+          <p:cNvSpPr txBox="1"/>
+          <p:nvPr/>
+        </p:nvSpPr>
+        <p:spPr>
+          <a:xfrm>
+            <a:off x="6035040" y="15240"/>
+            <a:ext cx="5148580" cy="1753235"/>
+          </a:xfrm>
+          <a:prstGeom prst="rect">
+            <a:avLst/>
+          </a:prstGeom>
+          <a:noFill/>
+        </p:spPr>
+        <p:txBody>
+          <a:bodyPr wrap="none" rtlCol="0">
+            <a:spAutoFit/>
+          </a:bodyPr>
+          <a:p>
+            <a:pPr algn="l"/>
+            <a:r>
+              <a:rPr lang="zh-CN" altLang="en-US">
+                <a:solidFill>
+                  <a:srgbClr val="FF0000"/>
+                </a:solidFill>
+              </a:rPr>
+              <a:t>void CHOOKDemoCatalogDlg::OnBnClickedOk()</a:t>
+            </a:r>
+            <a:endParaRPr lang="zh-CN" altLang="en-US">
+              <a:solidFill>
+                <a:srgbClr val="FF0000"/>
+              </a:solidFill>
+            </a:endParaRPr>
+          </a:p>
+          <a:p>
+            <a:pPr algn="l"/>
+            <a:r>
+              <a:rPr lang="zh-CN" altLang="en-US">
+                <a:solidFill>
+                  <a:srgbClr val="FF0000"/>
+                </a:solidFill>
+              </a:rPr>
+              <a:t>{</a:t>
+            </a:r>
+            <a:endParaRPr lang="zh-CN" altLang="en-US">
+              <a:solidFill>
+                <a:srgbClr val="FF0000"/>
+              </a:solidFill>
+            </a:endParaRPr>
+          </a:p>
+          <a:p>
+            <a:pPr algn="l"/>
+            <a:r>
+              <a:rPr lang="zh-CN" altLang="en-US">
+                <a:solidFill>
+                  <a:srgbClr val="FF0000"/>
+                </a:solidFill>
+              </a:rPr>
+              <a:t>	deposit = deposit_fun(deposit,100);</a:t>
+            </a:r>
+            <a:endParaRPr lang="zh-CN" altLang="en-US">
+              <a:solidFill>
+                <a:srgbClr val="FF0000"/>
+              </a:solidFill>
+            </a:endParaRPr>
+          </a:p>
+          <a:p>
+            <a:pPr algn="l"/>
+            <a:r>
+              <a:rPr lang="zh-CN" altLang="en-US">
+                <a:solidFill>
+                  <a:srgbClr val="FF0000"/>
+                </a:solidFill>
+              </a:rPr>
+              <a:t>	UpdateData(FALSE);</a:t>
+            </a:r>
+            <a:endParaRPr lang="zh-CN" altLang="en-US">
+              <a:solidFill>
+                <a:srgbClr val="FF0000"/>
+              </a:solidFill>
+            </a:endParaRPr>
+          </a:p>
+          <a:p>
+            <a:pPr algn="l"/>
+            <a:r>
+              <a:rPr lang="zh-CN" altLang="en-US">
+                <a:solidFill>
+                  <a:srgbClr val="FF0000"/>
+                </a:solidFill>
+              </a:rPr>
+              <a:t>	MessageBox(TEXT("存款成功"));</a:t>
+            </a:r>
+            <a:endParaRPr lang="zh-CN" altLang="en-US">
+              <a:solidFill>
+                <a:srgbClr val="FF0000"/>
+              </a:solidFill>
+            </a:endParaRPr>
+          </a:p>
+          <a:p>
+            <a:pPr algn="l"/>
+            <a:r>
+              <a:rPr lang="zh-CN" altLang="en-US">
+                <a:solidFill>
+                  <a:srgbClr val="FF0000"/>
+                </a:solidFill>
+              </a:rPr>
+              <a:t>}</a:t>
+            </a:r>
+            <a:endParaRPr lang="en-US" altLang="zh-CN">
+              <a:solidFill>
+                <a:srgbClr val="FF0000"/>
+              </a:solidFill>
+            </a:endParaRPr>
+          </a:p>
+        </p:txBody>
+      </p:sp>
     </p:spTree>
   </p:cSld>
   <p:clrMapOvr>
@@ -7412,26 +7531,42 @@
             <p:ph type="title"/>
           </p:nvPr>
         </p:nvSpPr>
+        <p:spPr/>
+        <p:txBody>
+          <a:bodyPr/>
+          <a:p>
+            <a:r>
+              <a:rPr lang="zh-CN" altLang="en-US"/>
+              <a:t>汇编修改</a:t>
+            </a:r>
+            <a:endParaRPr lang="zh-CN" altLang="en-US"/>
+          </a:p>
+        </p:txBody>
+      </p:sp>
+      <p:sp>
+        <p:nvSpPr>
+          <p:cNvPr id="6" name="文本框 5"/>
+          <p:cNvSpPr txBox="1"/>
+          <p:nvPr/>
+        </p:nvSpPr>
         <p:spPr>
           <a:xfrm>
-            <a:off x="873125" y="474345"/>
-            <a:ext cx="10160000" cy="749935"/>
-          </a:xfrm>
-        </p:spPr>
-        <p:txBody>
-          <a:bodyPr/>
+            <a:off x="3772535" y="1004570"/>
+            <a:ext cx="5617210" cy="368300"/>
+          </a:xfrm>
+          <a:prstGeom prst="rect">
+            <a:avLst/>
+          </a:prstGeom>
+          <a:noFill/>
+        </p:spPr>
+        <p:txBody>
+          <a:bodyPr wrap="square" rtlCol="0">
+            <a:spAutoFit/>
+          </a:bodyPr>
           <a:p>
             <a:r>
               <a:rPr lang="zh-CN" altLang="en-US"/>
-              <a:t>进行断点调试 在</a:t>
-            </a:r>
-            <a:r>
-              <a:rPr lang="en-US" altLang="zh-CN"/>
-              <a:t>CreateFileW</a:t>
-            </a:r>
-            <a:r>
-              <a:rPr lang="zh-CN" altLang="en-US"/>
-              <a:t>处下断点</a:t>
+              <a:t>在空白出 添加汇编代码</a:t>
             </a:r>
             <a:endParaRPr lang="zh-CN" altLang="en-US"/>
           </a:p>
@@ -7439,7 +7574,7 @@
       </p:sp>
       <p:pic>
         <p:nvPicPr>
-          <p:cNvPr id="4" name="内容占位符 3"/>
+          <p:cNvPr id="10" name="内容占位符 9"/>
           <p:cNvPicPr>
             <a:picLocks noChangeAspect="1"/>
           </p:cNvPicPr>
@@ -7455,14 +7590,75 @@
         </p:blipFill>
         <p:spPr>
           <a:xfrm>
-            <a:off x="735965" y="1423670"/>
-            <a:ext cx="10788650" cy="5857875"/>
+            <a:off x="432435" y="1514475"/>
+            <a:ext cx="9662160" cy="1562100"/>
           </a:xfrm>
           <a:prstGeom prst="rect">
             <a:avLst/>
           </a:prstGeom>
         </p:spPr>
       </p:pic>
+      <p:pic>
+        <p:nvPicPr>
+          <p:cNvPr id="11" name="图片 10"/>
+          <p:cNvPicPr>
+            <a:picLocks noChangeAspect="1"/>
+          </p:cNvPicPr>
+          <p:nvPr/>
+        </p:nvPicPr>
+        <p:blipFill>
+          <a:blip r:embed="rId2"/>
+          <a:stretch>
+            <a:fillRect/>
+          </a:stretch>
+        </p:blipFill>
+        <p:spPr>
+          <a:xfrm>
+            <a:off x="432435" y="3378200"/>
+            <a:ext cx="10096500" cy="2514600"/>
+          </a:xfrm>
+          <a:prstGeom prst="rect">
+            <a:avLst/>
+          </a:prstGeom>
+        </p:spPr>
+      </p:pic>
+      <p:sp>
+        <p:nvSpPr>
+          <p:cNvPr id="12" name="文本框 11"/>
+          <p:cNvSpPr txBox="1"/>
+          <p:nvPr/>
+        </p:nvSpPr>
+        <p:spPr>
+          <a:xfrm>
+            <a:off x="4232275" y="6104255"/>
+            <a:ext cx="5617210" cy="368300"/>
+          </a:xfrm>
+          <a:prstGeom prst="rect">
+            <a:avLst/>
+          </a:prstGeom>
+          <a:noFill/>
+        </p:spPr>
+        <p:txBody>
+          <a:bodyPr wrap="square" rtlCol="0">
+            <a:spAutoFit/>
+          </a:bodyPr>
+          <a:p>
+            <a:r>
+              <a:rPr lang="zh-CN" altLang="en-US"/>
+              <a:t>调用方</a:t>
+            </a:r>
+            <a:r>
+              <a:rPr lang="en-US" altLang="zh-CN"/>
+              <a:t>JMP</a:t>
+            </a:r>
+            <a:r>
+              <a:rPr lang="zh-CN" altLang="en-US"/>
+              <a:t>跳转</a:t>
+            </a:r>
+            <a:endParaRPr lang="zh-CN" altLang="en-US"/>
+          </a:p>
+        </p:txBody>
+      </p:sp>
     </p:spTree>
   </p:cSld>
   <p:clrMapOvr>
@@ -7497,6 +7693,433 @@
           <a:p>
             <a:r>
               <a:rPr lang="zh-CN" altLang="en-US"/>
+              <a:t>验证</a:t>
+            </a:r>
+            <a:endParaRPr lang="zh-CN" altLang="en-US"/>
+          </a:p>
+        </p:txBody>
+      </p:sp>
+      <p:pic>
+        <p:nvPicPr>
+          <p:cNvPr id="4" name="内容占位符 3"/>
+          <p:cNvPicPr>
+            <a:picLocks noChangeAspect="1"/>
+          </p:cNvPicPr>
+          <p:nvPr>
+            <p:ph idx="1"/>
+          </p:nvPr>
+        </p:nvPicPr>
+        <p:blipFill>
+          <a:blip r:embed="rId1"/>
+          <a:stretch>
+            <a:fillRect/>
+          </a:stretch>
+        </p:blipFill>
+        <p:spPr>
+          <a:xfrm>
+            <a:off x="480695" y="1612900"/>
+            <a:ext cx="6195060" cy="4290060"/>
+          </a:xfrm>
+          <a:prstGeom prst="rect">
+            <a:avLst/>
+          </a:prstGeom>
+        </p:spPr>
+      </p:pic>
+      <p:sp>
+        <p:nvSpPr>
+          <p:cNvPr id="6" name="文本框 5"/>
+          <p:cNvSpPr txBox="1"/>
+          <p:nvPr/>
+        </p:nvSpPr>
+        <p:spPr>
+          <a:xfrm>
+            <a:off x="7003415" y="2439670"/>
+            <a:ext cx="4507865" cy="922020"/>
+          </a:xfrm>
+          <a:prstGeom prst="rect">
+            <a:avLst/>
+          </a:prstGeom>
+          <a:noFill/>
+        </p:spPr>
+        <p:txBody>
+          <a:bodyPr wrap="square" rtlCol="0">
+            <a:spAutoFit/>
+          </a:bodyPr>
+          <a:p>
+            <a:r>
+              <a:rPr lang="en-US" altLang="zh-CN"/>
+              <a:t>__asm {</a:t>
+            </a:r>
+            <a:endParaRPr lang="en-US" altLang="zh-CN"/>
+          </a:p>
+          <a:p>
+            <a:r>
+              <a:rPr lang="en-US" altLang="zh-CN"/>
+              <a:t>	</a:t>
+            </a:r>
+            <a:r>
+              <a:rPr lang="en-US" altLang="zh-CN">
+                <a:solidFill>
+                  <a:srgbClr val="FF0000"/>
+                </a:solidFill>
+                <a:sym typeface="+mn-ea"/>
+              </a:rPr>
+              <a:t>call HOOKDemo.00261C4E</a:t>
+            </a:r>
+            <a:endParaRPr lang="en-US" altLang="zh-CN"/>
+          </a:p>
+          <a:p>
+            <a:r>
+              <a:rPr lang="en-US" altLang="zh-CN"/>
+              <a:t>}</a:t>
+            </a:r>
+            <a:endParaRPr lang="en-US" altLang="zh-CN"/>
+          </a:p>
+        </p:txBody>
+      </p:sp>
+    </p:spTree>
+  </p:cSld>
+  <p:clrMapOvr>
+    <a:masterClrMapping/>
+  </p:clrMapOvr>
+</p:sld>
+</file>
+
+<file path=ppt/slides/slide13.xml><?xml version="1.0" encoding="utf-8"?>
+<p:sld xmlns:a="http://schemas.openxmlformats.org/drawingml/2006/main" xmlns:r="http://schemas.openxmlformats.org/officeDocument/2006/relationships" xmlns:p="http://schemas.openxmlformats.org/presentationml/2006/main">
+  <p:cSld>
+    <p:spTree>
+      <p:nvGrpSpPr>
+        <p:cNvPr id="1" name=""/>
+        <p:cNvGrpSpPr/>
+        <p:nvPr/>
+      </p:nvGrpSpPr>
+      <p:grpSpPr/>
+      <p:sp>
+        <p:nvSpPr>
+          <p:cNvPr id="2" name="标题 1"/>
+          <p:cNvSpPr>
+            <a:spLocks noGrp="1"/>
+          </p:cNvSpPr>
+          <p:nvPr>
+            <p:ph type="title"/>
+          </p:nvPr>
+        </p:nvSpPr>
+        <p:spPr/>
+        <p:txBody>
+          <a:bodyPr/>
+          <a:p>
+            <a:r>
+              <a:rPr lang="zh-CN" altLang="en-US"/>
+              <a:t>数据利用  编写</a:t>
+            </a:r>
+            <a:r>
+              <a:rPr lang="en-US" altLang="zh-CN"/>
+              <a:t>HOOK</a:t>
+            </a:r>
+            <a:endParaRPr lang="en-US" altLang="zh-CN"/>
+          </a:p>
+        </p:txBody>
+      </p:sp>
+      <p:pic>
+        <p:nvPicPr>
+          <p:cNvPr id="6" name="内容占位符 5"/>
+          <p:cNvPicPr>
+            <a:picLocks noChangeAspect="1"/>
+          </p:cNvPicPr>
+          <p:nvPr>
+            <p:ph idx="1"/>
+          </p:nvPr>
+        </p:nvPicPr>
+        <p:blipFill>
+          <a:blip r:embed="rId1"/>
+          <a:stretch>
+            <a:fillRect/>
+          </a:stretch>
+        </p:blipFill>
+        <p:spPr>
+          <a:xfrm>
+            <a:off x="408940" y="1224280"/>
+            <a:ext cx="3331845" cy="5536565"/>
+          </a:xfrm>
+          <a:prstGeom prst="rect">
+            <a:avLst/>
+          </a:prstGeom>
+        </p:spPr>
+      </p:pic>
+      <p:pic>
+        <p:nvPicPr>
+          <p:cNvPr id="7" name="图片 6"/>
+          <p:cNvPicPr>
+            <a:picLocks noChangeAspect="1"/>
+          </p:cNvPicPr>
+          <p:nvPr/>
+        </p:nvPicPr>
+        <p:blipFill>
+          <a:blip r:embed="rId2"/>
+          <a:stretch>
+            <a:fillRect/>
+          </a:stretch>
+        </p:blipFill>
+        <p:spPr>
+          <a:xfrm>
+            <a:off x="3804920" y="1288415"/>
+            <a:ext cx="9556750" cy="3699510"/>
+          </a:xfrm>
+          <a:prstGeom prst="rect">
+            <a:avLst/>
+          </a:prstGeom>
+        </p:spPr>
+      </p:pic>
+    </p:spTree>
+  </p:cSld>
+  <p:clrMapOvr>
+    <a:masterClrMapping/>
+  </p:clrMapOvr>
+</p:sld>
+</file>
+
+<file path=ppt/slides/slide14.xml><?xml version="1.0" encoding="utf-8"?>
+<p:sld xmlns:a="http://schemas.openxmlformats.org/drawingml/2006/main" xmlns:r="http://schemas.openxmlformats.org/officeDocument/2006/relationships" xmlns:p="http://schemas.openxmlformats.org/presentationml/2006/main">
+  <p:cSld>
+    <p:spTree>
+      <p:nvGrpSpPr>
+        <p:cNvPr id="1" name=""/>
+        <p:cNvGrpSpPr/>
+        <p:nvPr/>
+      </p:nvGrpSpPr>
+      <p:grpSpPr/>
+      <p:sp>
+        <p:nvSpPr>
+          <p:cNvPr id="2" name="标题 1"/>
+          <p:cNvSpPr>
+            <a:spLocks noGrp="1"/>
+          </p:cNvSpPr>
+          <p:nvPr>
+            <p:ph type="title"/>
+          </p:nvPr>
+        </p:nvSpPr>
+        <p:spPr/>
+        <p:txBody>
+          <a:bodyPr/>
+          <a:p>
+            <a:r>
+              <a:rPr lang="zh-CN" altLang="en-US"/>
+              <a:t>效果展示</a:t>
+            </a:r>
+            <a:endParaRPr lang="zh-CN" altLang="en-US"/>
+          </a:p>
+        </p:txBody>
+      </p:sp>
+      <p:pic>
+        <p:nvPicPr>
+          <p:cNvPr id="4" name="内容占位符 3"/>
+          <p:cNvPicPr>
+            <a:picLocks noChangeAspect="1"/>
+          </p:cNvPicPr>
+          <p:nvPr>
+            <p:ph idx="1"/>
+          </p:nvPr>
+        </p:nvPicPr>
+        <p:blipFill>
+          <a:blip r:embed="rId1"/>
+          <a:stretch>
+            <a:fillRect/>
+          </a:stretch>
+        </p:blipFill>
+        <p:spPr>
+          <a:xfrm>
+            <a:off x="495300" y="1224280"/>
+            <a:ext cx="11061700" cy="5359400"/>
+          </a:xfrm>
+          <a:prstGeom prst="rect">
+            <a:avLst/>
+          </a:prstGeom>
+        </p:spPr>
+      </p:pic>
+    </p:spTree>
+  </p:cSld>
+  <p:clrMapOvr>
+    <a:masterClrMapping/>
+  </p:clrMapOvr>
+</p:sld>
+</file>
+
+<file path=ppt/slides/slide15.xml><?xml version="1.0" encoding="utf-8"?>
+<p:sld xmlns:a="http://schemas.openxmlformats.org/drawingml/2006/main" xmlns:r="http://schemas.openxmlformats.org/officeDocument/2006/relationships" xmlns:p="http://schemas.openxmlformats.org/presentationml/2006/main">
+  <p:cSld>
+    <p:spTree>
+      <p:nvGrpSpPr>
+        <p:cNvPr id="1" name=""/>
+        <p:cNvGrpSpPr/>
+        <p:nvPr/>
+      </p:nvGrpSpPr>
+      <p:grpSpPr/>
+      <p:sp>
+        <p:nvSpPr>
+          <p:cNvPr id="2" name="标题 1"/>
+          <p:cNvSpPr>
+            <a:spLocks noGrp="1"/>
+          </p:cNvSpPr>
+          <p:nvPr>
+            <p:ph type="title"/>
+          </p:nvPr>
+        </p:nvSpPr>
+        <p:spPr/>
+        <p:txBody>
+          <a:bodyPr/>
+          <a:p>
+            <a:r>
+              <a:rPr lang="zh-CN" altLang="en-US"/>
+              <a:t>微信数据库攻破</a:t>
+            </a:r>
+            <a:r>
+              <a:rPr lang="en-US" altLang="zh-CN"/>
+              <a:t>SQLlite3</a:t>
+            </a:r>
+            <a:endParaRPr lang="en-US" altLang="zh-CN"/>
+          </a:p>
+        </p:txBody>
+      </p:sp>
+      <p:pic>
+        <p:nvPicPr>
+          <p:cNvPr id="4" name="内容占位符 3"/>
+          <p:cNvPicPr>
+            <a:picLocks noChangeAspect="1"/>
+          </p:cNvPicPr>
+          <p:nvPr>
+            <p:ph idx="1"/>
+          </p:nvPr>
+        </p:nvPicPr>
+        <p:blipFill>
+          <a:blip r:embed="rId1"/>
+          <a:stretch>
+            <a:fillRect/>
+          </a:stretch>
+        </p:blipFill>
+        <p:spPr>
+          <a:xfrm>
+            <a:off x="451485" y="1555115"/>
+            <a:ext cx="5212080" cy="4351655"/>
+          </a:xfrm>
+          <a:prstGeom prst="rect">
+            <a:avLst/>
+          </a:prstGeom>
+        </p:spPr>
+      </p:pic>
+    </p:spTree>
+  </p:cSld>
+  <p:clrMapOvr>
+    <a:masterClrMapping/>
+  </p:clrMapOvr>
+</p:sld>
+</file>
+
+<file path=ppt/slides/slide16.xml><?xml version="1.0" encoding="utf-8"?>
+<p:sld xmlns:a="http://schemas.openxmlformats.org/drawingml/2006/main" xmlns:r="http://schemas.openxmlformats.org/officeDocument/2006/relationships" xmlns:p="http://schemas.openxmlformats.org/presentationml/2006/main">
+  <p:cSld>
+    <p:spTree>
+      <p:nvGrpSpPr>
+        <p:cNvPr id="1" name=""/>
+        <p:cNvGrpSpPr/>
+        <p:nvPr/>
+      </p:nvGrpSpPr>
+      <p:grpSpPr/>
+      <p:sp>
+        <p:nvSpPr>
+          <p:cNvPr id="2" name="标题 1"/>
+          <p:cNvSpPr>
+            <a:spLocks noGrp="1"/>
+          </p:cNvSpPr>
+          <p:nvPr>
+            <p:ph type="title"/>
+          </p:nvPr>
+        </p:nvSpPr>
+        <p:spPr>
+          <a:xfrm>
+            <a:off x="873125" y="474345"/>
+            <a:ext cx="10160000" cy="749935"/>
+          </a:xfrm>
+        </p:spPr>
+        <p:txBody>
+          <a:bodyPr/>
+          <a:p>
+            <a:r>
+              <a:rPr lang="zh-CN" altLang="en-US"/>
+              <a:t>进行断点调试 在</a:t>
+            </a:r>
+            <a:r>
+              <a:rPr lang="en-US" altLang="zh-CN"/>
+              <a:t>CreateFileW</a:t>
+            </a:r>
+            <a:r>
+              <a:rPr lang="zh-CN" altLang="en-US"/>
+              <a:t>处下断点</a:t>
+            </a:r>
+            <a:endParaRPr lang="zh-CN" altLang="en-US"/>
+          </a:p>
+        </p:txBody>
+      </p:sp>
+      <p:pic>
+        <p:nvPicPr>
+          <p:cNvPr id="4" name="内容占位符 3"/>
+          <p:cNvPicPr>
+            <a:picLocks noChangeAspect="1"/>
+          </p:cNvPicPr>
+          <p:nvPr>
+            <p:ph idx="1"/>
+          </p:nvPr>
+        </p:nvPicPr>
+        <p:blipFill>
+          <a:blip r:embed="rId1"/>
+          <a:stretch>
+            <a:fillRect/>
+          </a:stretch>
+        </p:blipFill>
+        <p:spPr>
+          <a:xfrm>
+            <a:off x="735965" y="1423670"/>
+            <a:ext cx="10788650" cy="5857875"/>
+          </a:xfrm>
+          <a:prstGeom prst="rect">
+            <a:avLst/>
+          </a:prstGeom>
+        </p:spPr>
+      </p:pic>
+    </p:spTree>
+  </p:cSld>
+  <p:clrMapOvr>
+    <a:masterClrMapping/>
+  </p:clrMapOvr>
+</p:sld>
+</file>
+
+<file path=ppt/slides/slide17.xml><?xml version="1.0" encoding="utf-8"?>
+<p:sld xmlns:a="http://schemas.openxmlformats.org/drawingml/2006/main" xmlns:r="http://schemas.openxmlformats.org/officeDocument/2006/relationships" xmlns:p="http://schemas.openxmlformats.org/presentationml/2006/main">
+  <p:cSld>
+    <p:spTree>
+      <p:nvGrpSpPr>
+        <p:cNvPr id="1" name=""/>
+        <p:cNvGrpSpPr/>
+        <p:nvPr/>
+      </p:nvGrpSpPr>
+      <p:grpSpPr/>
+      <p:sp>
+        <p:nvSpPr>
+          <p:cNvPr id="2" name="标题 1"/>
+          <p:cNvSpPr>
+            <a:spLocks noGrp="1"/>
+          </p:cNvSpPr>
+          <p:nvPr>
+            <p:ph type="title"/>
+          </p:nvPr>
+        </p:nvSpPr>
+        <p:spPr/>
+        <p:txBody>
+          <a:bodyPr/>
+          <a:p>
+            <a:r>
+              <a:rPr lang="zh-CN" altLang="en-US"/>
               <a:t>条件断点</a:t>
             </a:r>
             <a:endParaRPr lang="zh-CN" altLang="en-US"/>
@@ -7566,7 +8189,7 @@
 </p:sld>
 </file>
 
-<file path=ppt/slides/slide13.xml><?xml version="1.0" encoding="utf-8"?>
+<file path=ppt/slides/slide18.xml><?xml version="1.0" encoding="utf-8"?>
 <p:sld xmlns:a="http://schemas.openxmlformats.org/drawingml/2006/main" xmlns:r="http://schemas.openxmlformats.org/officeDocument/2006/relationships" xmlns:p="http://schemas.openxmlformats.org/presentationml/2006/main">
   <p:cSld>
     <p:spTree>
@@ -8640,20 +9263,20 @@
           <a:bodyPr/>
           <a:p>
             <a:r>
-              <a:rPr lang="zh-CN" altLang="en-US"/>
-              <a:t>数据利用  编写</a:t>
-            </a:r>
-            <a:r>
               <a:rPr lang="en-US" altLang="zh-CN"/>
               <a:t>HOOK</a:t>
             </a:r>
-            <a:endParaRPr lang="en-US" altLang="zh-CN"/>
+            <a:r>
+              <a:rPr lang="zh-CN" altLang="en-US"/>
+              <a:t>利用</a:t>
+            </a:r>
+            <a:endParaRPr lang="zh-CN" altLang="en-US"/>
           </a:p>
         </p:txBody>
       </p:sp>
       <p:pic>
         <p:nvPicPr>
-          <p:cNvPr id="6" name="内容占位符 5"/>
+          <p:cNvPr id="4" name="内容占位符 3"/>
           <p:cNvPicPr>
             <a:picLocks noChangeAspect="1"/>
           </p:cNvPicPr>
@@ -8669,38 +9292,123 @@
         </p:blipFill>
         <p:spPr>
           <a:xfrm>
-            <a:off x="408940" y="1224280"/>
-            <a:ext cx="3331845" cy="5536565"/>
+            <a:off x="417830" y="1224280"/>
+            <a:ext cx="8568690" cy="5427345"/>
           </a:xfrm>
           <a:prstGeom prst="rect">
             <a:avLst/>
           </a:prstGeom>
         </p:spPr>
       </p:pic>
-      <p:pic>
-        <p:nvPicPr>
-          <p:cNvPr id="7" name="图片 6"/>
-          <p:cNvPicPr>
-            <a:picLocks noChangeAspect="1"/>
-          </p:cNvPicPr>
+      <p:sp>
+        <p:nvSpPr>
+          <p:cNvPr id="5" name="文本框 4"/>
+          <p:cNvSpPr txBox="1"/>
           <p:nvPr/>
-        </p:nvPicPr>
-        <p:blipFill>
-          <a:blip r:embed="rId2"/>
-          <a:stretch>
-            <a:fillRect/>
-          </a:stretch>
-        </p:blipFill>
+        </p:nvSpPr>
         <p:spPr>
           <a:xfrm>
-            <a:off x="3804920" y="1288415"/>
-            <a:ext cx="9556750" cy="3699510"/>
+            <a:off x="8986520" y="1295400"/>
+            <a:ext cx="3120390" cy="2861310"/>
           </a:xfrm>
           <a:prstGeom prst="rect">
             <a:avLst/>
           </a:prstGeom>
-        </p:spPr>
-      </p:pic>
+          <a:noFill/>
+        </p:spPr>
+        <p:txBody>
+          <a:bodyPr wrap="square" rtlCol="0">
+            <a:spAutoFit/>
+          </a:bodyPr>
+          <a:p>
+            <a:r>
+              <a:rPr lang="en-US" altLang="zh-CN"/>
+              <a:t>HOOK</a:t>
+            </a:r>
+            <a:r>
+              <a:rPr lang="zh-CN" altLang="en-US"/>
+              <a:t>技术能实现 很多有趣的事情</a:t>
+            </a:r>
+            <a:endParaRPr lang="zh-CN" altLang="en-US"/>
+          </a:p>
+          <a:p>
+            <a:endParaRPr lang="zh-CN" altLang="en-US"/>
+          </a:p>
+          <a:p>
+            <a:r>
+              <a:rPr lang="zh-CN" altLang="en-US"/>
+              <a:t>比如</a:t>
+            </a:r>
+            <a:r>
+              <a:rPr lang="en-US" altLang="zh-CN"/>
+              <a:t>R3</a:t>
+            </a:r>
+            <a:r>
+              <a:rPr lang="zh-CN" altLang="en-US"/>
+              <a:t>基本 用户态</a:t>
+            </a:r>
+            <a:r>
+              <a:rPr lang="en-US" altLang="zh-CN"/>
+              <a:t>HOOK</a:t>
+            </a:r>
+            <a:endParaRPr lang="en-US" altLang="zh-CN"/>
+          </a:p>
+          <a:p>
+            <a:endParaRPr lang="en-US" altLang="zh-CN"/>
+          </a:p>
+          <a:p>
+            <a:r>
+              <a:rPr lang="en-US" altLang="zh-CN"/>
+              <a:t>TOP PS </a:t>
+            </a:r>
+            <a:r>
+              <a:rPr lang="zh-CN" altLang="en-US"/>
+              <a:t>进程隐藏</a:t>
+            </a:r>
+            <a:endParaRPr lang="zh-CN" altLang="en-US"/>
+          </a:p>
+          <a:p>
+            <a:r>
+              <a:rPr lang="en-US" altLang="zh-CN"/>
+              <a:t>LS </a:t>
+            </a:r>
+            <a:r>
+              <a:rPr lang="zh-CN" altLang="en-US"/>
+              <a:t>文件隐藏</a:t>
+            </a:r>
+            <a:endParaRPr lang="zh-CN" altLang="en-US"/>
+          </a:p>
+          <a:p>
+            <a:r>
+              <a:rPr lang="en-US" altLang="zh-CN"/>
+              <a:t>SS LSOF  </a:t>
+            </a:r>
+            <a:r>
+              <a:rPr lang="zh-CN" altLang="en-US"/>
+              <a:t>链接隐藏</a:t>
+            </a:r>
+            <a:endParaRPr lang="zh-CN" altLang="en-US"/>
+          </a:p>
+          <a:p>
+            <a:endParaRPr lang="zh-CN" altLang="en-US"/>
+          </a:p>
+          <a:p>
+            <a:r>
+              <a:rPr lang="en-US" altLang="zh-CN"/>
+              <a:t>MySQL  Apache </a:t>
+            </a:r>
+            <a:r>
+              <a:rPr lang="zh-CN" altLang="en-US"/>
+              <a:t>附体</a:t>
+            </a:r>
+            <a:r>
+              <a:rPr lang="zh-CN" altLang="en-US"/>
+              <a:t>监听</a:t>
+            </a:r>
+            <a:endParaRPr lang="zh-CN" altLang="en-US"/>
+          </a:p>
+        </p:txBody>
+      </p:sp>
     </p:spTree>
   </p:cSld>
   <p:clrMapOvr>
@@ -8735,7 +9443,7 @@
           <a:p>
             <a:r>
               <a:rPr lang="zh-CN" altLang="en-US"/>
-              <a:t>效果展示</a:t>
+              <a:t>演示程序</a:t>
             </a:r>
             <a:endParaRPr lang="zh-CN" altLang="en-US"/>
           </a:p>
@@ -8759,8 +9467,8 @@
         </p:blipFill>
         <p:spPr>
           <a:xfrm>
-            <a:off x="495300" y="1224280"/>
-            <a:ext cx="11061700" cy="5359400"/>
+            <a:off x="2097405" y="2009140"/>
+            <a:ext cx="6233160" cy="3749040"/>
           </a:xfrm>
           <a:prstGeom prst="rect">
             <a:avLst/>
